--- a/発表.pptx
+++ b/発表.pptx
@@ -234,7 +234,7 @@
           <a:p>
             <a:fld id="{9D73F2AC-3586-4C52-9697-67AD8B1E734E}" type="datetimeFigureOut">
               <a:rPr kumimoji="1" lang="ja-JP" altLang="en-US" smtClean="0"/>
-              <a:t>2021/2/1</a:t>
+              <a:t>2021/2/3</a:t>
             </a:fld>
             <a:endParaRPr kumimoji="1" lang="ja-JP" altLang="en-US"/>
           </a:p>
@@ -676,11 +676,7 @@
           <a:p>
             <a:r>
               <a:rPr kumimoji="1" lang="ja-JP" altLang="en-US" dirty="0" smtClean="0"/>
-              <a:t>まず，イオン化に用いた高次</a:t>
-            </a:r>
-            <a:r>
-              <a:rPr kumimoji="1" lang="ja-JP" altLang="en-US" dirty="0" smtClean="0"/>
-              <a:t>高調波の発生原理について説明します</a:t>
+              <a:t>まず，イオン化に用いた高次高調波の発生原理について説明します</a:t>
             </a:r>
             <a:r>
               <a:rPr kumimoji="1" lang="en-US" altLang="ja-JP" dirty="0" smtClean="0"/>
@@ -688,15 +684,7 @@
             </a:r>
             <a:r>
               <a:rPr kumimoji="1" lang="ja-JP" altLang="en-US" dirty="0" smtClean="0"/>
-              <a:t>高次高調波は，ガスに光を入射させると，入射光のエネルギーの整数倍のエネルギーを持つ光が観測</a:t>
-            </a:r>
-            <a:r>
-              <a:rPr kumimoji="1" lang="ja-JP" altLang="en-US" dirty="0" smtClean="0"/>
-              <a:t>される現象のことで</a:t>
-            </a:r>
-            <a:r>
-              <a:rPr kumimoji="1" lang="ja-JP" altLang="en-US" dirty="0" smtClean="0"/>
-              <a:t>，その原理は</a:t>
+              <a:t>高次高調波は，ガスに光を入射させると，入射光のエネルギーの整数倍のエネルギーを持つ光が観測される現象のことで，その原理は</a:t>
             </a:r>
             <a:r>
               <a:rPr kumimoji="1" lang="en-US" altLang="ja-JP" dirty="0" smtClean="0"/>
@@ -736,11 +724,7 @@
             </a:r>
             <a:r>
               <a:rPr kumimoji="1" lang="ja-JP" altLang="en-US" dirty="0" smtClean="0"/>
-              <a:t>　通常</a:t>
-            </a:r>
-            <a:r>
-              <a:rPr kumimoji="1" lang="ja-JP" altLang="en-US" dirty="0" smtClean="0"/>
-              <a:t>，原子に含まれる電子は，図</a:t>
+              <a:t>　通常，原子に含まれる電子は，図</a:t>
             </a:r>
             <a:r>
               <a:rPr kumimoji="1" lang="en-US" altLang="ja-JP" dirty="0" smtClean="0"/>
@@ -1044,11 +1028,7 @@
             </a:r>
             <a:r>
               <a:rPr kumimoji="1" lang="ja-JP" altLang="en-US" dirty="0" smtClean="0"/>
-              <a:t>詳しく言うと，高次高調波と赤外光の時間差を変化させると</a:t>
-            </a:r>
-            <a:r>
-              <a:rPr kumimoji="1" lang="ja-JP" altLang="en-US" dirty="0" smtClean="0"/>
-              <a:t>，光電子の運動量分布がどのように変化するか，を測定しました</a:t>
+              <a:t>詳しく言うと，高次高調波と赤外光の時間差を変化させると，光電子の運動量分布がどのように変化するか，を測定しました</a:t>
             </a:r>
             <a:r>
               <a:rPr kumimoji="1" lang="en-US" altLang="ja-JP" dirty="0" smtClean="0"/>
@@ -2305,7 +2285,7 @@
           <a:p>
             <a:fld id="{7C4BD9BC-7747-4A18-BB11-2CEF5CD5B631}" type="datetimeFigureOut">
               <a:rPr kumimoji="1" lang="ja-JP" altLang="en-US" smtClean="0"/>
-              <a:t>2021/2/1</a:t>
+              <a:t>2021/2/3</a:t>
             </a:fld>
             <a:endParaRPr kumimoji="1" lang="ja-JP" altLang="en-US"/>
           </a:p>
@@ -2507,7 +2487,7 @@
           <a:p>
             <a:fld id="{7C4BD9BC-7747-4A18-BB11-2CEF5CD5B631}" type="datetimeFigureOut">
               <a:rPr kumimoji="1" lang="ja-JP" altLang="en-US" smtClean="0"/>
-              <a:t>2021/2/1</a:t>
+              <a:t>2021/2/3</a:t>
             </a:fld>
             <a:endParaRPr kumimoji="1" lang="ja-JP" altLang="en-US"/>
           </a:p>
@@ -2719,7 +2699,7 @@
           <a:p>
             <a:fld id="{7C4BD9BC-7747-4A18-BB11-2CEF5CD5B631}" type="datetimeFigureOut">
               <a:rPr kumimoji="1" lang="ja-JP" altLang="en-US" smtClean="0"/>
-              <a:t>2021/2/1</a:t>
+              <a:t>2021/2/3</a:t>
             </a:fld>
             <a:endParaRPr kumimoji="1" lang="ja-JP" altLang="en-US"/>
           </a:p>
@@ -2921,7 +2901,7 @@
           <a:p>
             <a:fld id="{7C4BD9BC-7747-4A18-BB11-2CEF5CD5B631}" type="datetimeFigureOut">
               <a:rPr kumimoji="1" lang="ja-JP" altLang="en-US" smtClean="0"/>
-              <a:t>2021/2/1</a:t>
+              <a:t>2021/2/3</a:t>
             </a:fld>
             <a:endParaRPr kumimoji="1" lang="ja-JP" altLang="en-US"/>
           </a:p>
@@ -3167,7 +3147,7 @@
           <a:p>
             <a:fld id="{7C4BD9BC-7747-4A18-BB11-2CEF5CD5B631}" type="datetimeFigureOut">
               <a:rPr kumimoji="1" lang="ja-JP" altLang="en-US" smtClean="0"/>
-              <a:t>2021/2/1</a:t>
+              <a:t>2021/2/3</a:t>
             </a:fld>
             <a:endParaRPr kumimoji="1" lang="ja-JP" altLang="en-US"/>
           </a:p>
@@ -3463,7 +3443,7 @@
           <a:p>
             <a:fld id="{7C4BD9BC-7747-4A18-BB11-2CEF5CD5B631}" type="datetimeFigureOut">
               <a:rPr kumimoji="1" lang="ja-JP" altLang="en-US" smtClean="0"/>
-              <a:t>2021/2/1</a:t>
+              <a:t>2021/2/3</a:t>
             </a:fld>
             <a:endParaRPr kumimoji="1" lang="ja-JP" altLang="en-US"/>
           </a:p>
@@ -3894,7 +3874,7 @@
           <a:p>
             <a:fld id="{7C4BD9BC-7747-4A18-BB11-2CEF5CD5B631}" type="datetimeFigureOut">
               <a:rPr kumimoji="1" lang="ja-JP" altLang="en-US" smtClean="0"/>
-              <a:t>2021/2/1</a:t>
+              <a:t>2021/2/3</a:t>
             </a:fld>
             <a:endParaRPr kumimoji="1" lang="ja-JP" altLang="en-US"/>
           </a:p>
@@ -4012,7 +3992,7 @@
           <a:p>
             <a:fld id="{7C4BD9BC-7747-4A18-BB11-2CEF5CD5B631}" type="datetimeFigureOut">
               <a:rPr kumimoji="1" lang="ja-JP" altLang="en-US" smtClean="0"/>
-              <a:t>2021/2/1</a:t>
+              <a:t>2021/2/3</a:t>
             </a:fld>
             <a:endParaRPr kumimoji="1" lang="ja-JP" altLang="en-US"/>
           </a:p>
@@ -4107,7 +4087,7 @@
           <a:p>
             <a:fld id="{7C4BD9BC-7747-4A18-BB11-2CEF5CD5B631}" type="datetimeFigureOut">
               <a:rPr kumimoji="1" lang="ja-JP" altLang="en-US" smtClean="0"/>
-              <a:t>2021/2/1</a:t>
+              <a:t>2021/2/3</a:t>
             </a:fld>
             <a:endParaRPr kumimoji="1" lang="ja-JP" altLang="en-US"/>
           </a:p>
@@ -4416,7 +4396,7 @@
           <a:p>
             <a:fld id="{7C4BD9BC-7747-4A18-BB11-2CEF5CD5B631}" type="datetimeFigureOut">
               <a:rPr kumimoji="1" lang="ja-JP" altLang="en-US" smtClean="0"/>
-              <a:t>2021/2/1</a:t>
+              <a:t>2021/2/3</a:t>
             </a:fld>
             <a:endParaRPr kumimoji="1" lang="ja-JP" altLang="en-US"/>
           </a:p>
@@ -4669,7 +4649,7 @@
           <a:p>
             <a:fld id="{7C4BD9BC-7747-4A18-BB11-2CEF5CD5B631}" type="datetimeFigureOut">
               <a:rPr kumimoji="1" lang="ja-JP" altLang="en-US" smtClean="0"/>
-              <a:t>2021/2/1</a:t>
+              <a:t>2021/2/3</a:t>
             </a:fld>
             <a:endParaRPr kumimoji="1" lang="ja-JP" altLang="en-US"/>
           </a:p>
@@ -4914,7 +4894,7 @@
           <a:p>
             <a:fld id="{7C4BD9BC-7747-4A18-BB11-2CEF5CD5B631}" type="datetimeFigureOut">
               <a:rPr kumimoji="1" lang="ja-JP" altLang="en-US" smtClean="0"/>
-              <a:t>2021/2/1</a:t>
+              <a:t>2021/2/3</a:t>
             </a:fld>
             <a:endParaRPr kumimoji="1" lang="ja-JP" altLang="en-US"/>
           </a:p>
@@ -5429,8 +5409,8 @@
           </a:prstGeom>
         </p:spPr>
       </p:pic>
-      <mc:AlternateContent xmlns:mc="http://schemas.openxmlformats.org/markup-compatibility/2006">
-        <mc:Choice xmlns:a14="http://schemas.microsoft.com/office/drawing/2010/main" Requires="a14">
+      <mc:AlternateContent xmlns:mc="http://schemas.openxmlformats.org/markup-compatibility/2006" xmlns:a14="http://schemas.microsoft.com/office/drawing/2010/main">
+        <mc:Choice Requires="a14">
           <p:sp>
             <p:nvSpPr>
               <p:cNvPr id="6" name="テキスト ボックス 5"/>
@@ -5672,7 +5652,7 @@
             </p:txBody>
           </p:sp>
         </mc:Choice>
-        <mc:Fallback>
+        <mc:Fallback xmlns="">
           <p:sp>
             <p:nvSpPr>
               <p:cNvPr id="6" name="テキスト ボックス 5"/>
@@ -28229,11 +28209,7 @@
           <a:p>
             <a:r>
               <a:rPr lang="ja-JP" altLang="en-US" sz="4000" dirty="0" smtClean="0"/>
-              <a:t>赤外光の強度と信号強度の</a:t>
-            </a:r>
-            <a:r>
-              <a:rPr lang="ja-JP" altLang="en-US" sz="4000" dirty="0" smtClean="0"/>
-              <a:t>振幅の関係</a:t>
+              <a:t>赤外光の強度と信号強度の振幅の関係</a:t>
             </a:r>
             <a:endParaRPr kumimoji="1" lang="ja-JP" altLang="en-US" sz="4000" dirty="0"/>
           </a:p>
